--- a/2025/20250801-UnitsAreHarder.pptx
+++ b/2025/20250801-UnitsAreHarder.pptx
@@ -208,7 +208,7 @@
           <a:p>
             <a:fld id="{E119C704-B8F9-449B-B828-36D786A1FE73}" type="datetimeFigureOut">
               <a:rPr lang="en-US" smtClean="0"/>
-              <a:t>8/19/2025</a:t>
+              <a:t>8/21/2025</a:t>
             </a:fld>
             <a:endParaRPr lang="en-US"/>
           </a:p>
@@ -521,7 +521,7 @@
           <a:p>
             <a:r>
               <a:rPr lang="en-US" dirty="0"/>
-              <a:t>If you never thought too hard about units, you’ll think that given two quantities, the unit of their product is fully determined by the units of the original. Meters times meters? Meter squared! Meters times radian? Meters! Or that operations on units are operations on physical dimensions. Meters over time? Velocity! Energy over volume? Pressure! Or that the way you convert one unit to another depends only on the units. Kilometers in meters? Multiply by a thousand! Celsius to Kelvin? Add 273.15! While these three expectations are met most of the time… they are not general rules, because there are counter-examples. The reason I know is that twenty years ago I wrote a prototype C-like language that would understand units. Turns out, units are a lot more complicated than you think. In fact, to properly handles units, you have to fully understand the physics of the problem, which means: one, we are never going to have computer languages that can handle units automatically, and two, the trend in theoretical physics of simply disregard units is madness. But I’ll leave that for another video.</a:t>
+              <a:t>If you never thought too hard about units, you’ll think that given two quantities, the unit of their product is fully determined by the units of the original. Meters times meters? Meter squared! Meters times radian? Meters! Or that operations on units are operations on physical dimensions. Meters over time? Velocity! Joules over meters cubed? Pressure! Or that the way you convert one unit to another depends only on the units. Kilometers in meters? Multiply by a thousand! Celsius to Kelvin? Add 273.15! While these three expectations are met most of the time… there are counter-examples. The reason I know is that twenty years ago I wrote a prototype C-like language that would understand units and physical dimensions. Turns out, you can’t write simple rules to manipulate units and physical dimensions alongside numbers… because to properly handles units, you have to fully understand the physics of the problem. Units and physical dimensions are harder, and more interesting than you think. They force you to understand the physics. That is why I think the trend in advanced theoretical physics to disregard units… it’s just madness.</a:t>
             </a:r>
           </a:p>
           <a:p>
@@ -530,8 +530,13 @@
           <a:p>
             <a:r>
               <a:rPr lang="en-US" dirty="0"/>
-              <a:t>For now, let’s just go through those three common misconceptions.</a:t>
-            </a:r>
+              <a:t>Anway, units! Let go through those </a:t>
+            </a:r>
+            <a:r>
+              <a:rPr lang="en-US"/>
+              <a:t>three counter-examples!</a:t>
+            </a:r>
+            <a:endParaRPr lang="en-US" dirty="0"/>
           </a:p>
           <a:p>
             <a:endParaRPr lang="en-US" dirty="0"/>
@@ -808,7 +813,7 @@
           <a:p>
             <a:fld id="{9E5A3E48-4000-4BE8-AF49-A6112A7546B2}" type="datetime1">
               <a:rPr lang="en-US" smtClean="0"/>
-              <a:t>8/19/2025</a:t>
+              <a:t>8/21/2025</a:t>
             </a:fld>
             <a:endParaRPr lang="en-US"/>
           </a:p>
@@ -1312,7 +1317,7 @@
           <a:p>
             <a:fld id="{1097F9C4-009A-4DB4-A317-7BB1B9415B8A}" type="datetime1">
               <a:rPr lang="en-US" smtClean="0"/>
-              <a:t>8/19/2025</a:t>
+              <a:t>8/21/2025</a:t>
             </a:fld>
             <a:endParaRPr lang="en-US"/>
           </a:p>
@@ -1523,7 +1528,7 @@
           <a:p>
             <a:fld id="{AB448F2E-A0AF-4465-A0F8-0F03CDDC70F9}" type="datetime1">
               <a:rPr lang="en-US" smtClean="0"/>
-              <a:t>8/19/2025</a:t>
+              <a:t>8/21/2025</a:t>
             </a:fld>
             <a:endParaRPr lang="en-US"/>
           </a:p>
@@ -1752,7 +1757,7 @@
           <a:p>
             <a:fld id="{D94907A7-274B-46C7-ACBB-98427FFA90F6}" type="datetime1">
               <a:rPr lang="en-US" smtClean="0"/>
-              <a:t>8/19/2025</a:t>
+              <a:t>8/21/2025</a:t>
             </a:fld>
             <a:endParaRPr lang="en-US" dirty="0"/>
           </a:p>
@@ -2002,7 +2007,7 @@
           <a:p>
             <a:fld id="{E0A0D542-6BA8-4A95-9EF2-3E912B4C2D8D}" type="datetime1">
               <a:rPr lang="en-US" smtClean="0"/>
-              <a:t>8/19/2025</a:t>
+              <a:t>8/21/2025</a:t>
             </a:fld>
             <a:endParaRPr lang="en-US"/>
           </a:p>
@@ -2270,7 +2275,7 @@
           <a:p>
             <a:fld id="{7F689E5D-57C3-47FC-9D93-3B263F03E631}" type="datetime1">
               <a:rPr lang="en-US" smtClean="0"/>
-              <a:t>8/19/2025</a:t>
+              <a:t>8/21/2025</a:t>
             </a:fld>
             <a:endParaRPr lang="en-US"/>
           </a:p>
@@ -2685,7 +2690,7 @@
           <a:p>
             <a:fld id="{CFF3B49B-4FF2-41DE-9AC4-33C59E8CAF6D}" type="datetime1">
               <a:rPr lang="en-US" smtClean="0"/>
-              <a:t>8/19/2025</a:t>
+              <a:t>8/21/2025</a:t>
             </a:fld>
             <a:endParaRPr lang="en-US"/>
           </a:p>
@@ -2829,7 +2834,7 @@
           <a:p>
             <a:fld id="{179CF7F1-22B2-4345-97A9-9E44AD1EB502}" type="datetime1">
               <a:rPr lang="en-US" smtClean="0"/>
-              <a:t>8/19/2025</a:t>
+              <a:t>8/21/2025</a:t>
             </a:fld>
             <a:endParaRPr lang="en-US"/>
           </a:p>
@@ -2945,7 +2950,7 @@
           <a:p>
             <a:fld id="{06F128FC-3737-4FFB-AE4A-FB5984F2943C}" type="datetime1">
               <a:rPr lang="en-US" smtClean="0"/>
-              <a:t>8/19/2025</a:t>
+              <a:t>8/21/2025</a:t>
             </a:fld>
             <a:endParaRPr lang="en-US" dirty="0"/>
           </a:p>
@@ -3260,7 +3265,7 @@
           <a:p>
             <a:fld id="{85BC373F-1C5D-4856-863E-55B4619AF862}" type="datetime1">
               <a:rPr lang="en-US" smtClean="0"/>
-              <a:t>8/19/2025</a:t>
+              <a:t>8/21/2025</a:t>
             </a:fld>
             <a:endParaRPr lang="en-US"/>
           </a:p>
@@ -3551,7 +3556,7 @@
           <a:p>
             <a:fld id="{25DBF6ED-7AC7-494C-88C7-A4505C8782D5}" type="datetime1">
               <a:rPr lang="en-US" smtClean="0"/>
-              <a:t>8/19/2025</a:t>
+              <a:t>8/21/2025</a:t>
             </a:fld>
             <a:endParaRPr lang="en-US"/>
           </a:p>
@@ -3795,7 +3800,7 @@
           <a:p>
             <a:fld id="{8143FB41-6DBB-4DF5-895F-D5282C1D742B}" type="datetime1">
               <a:rPr lang="en-US" smtClean="0"/>
-              <a:t>8/19/2025</a:t>
+              <a:t>8/21/2025</a:t>
             </a:fld>
             <a:endParaRPr lang="en-US" dirty="0"/>
           </a:p>
